--- a/doc/Job Management & Tracking System Presentation.pptx
+++ b/doc/Job Management & Tracking System Presentation.pptx
@@ -289,7 +289,7 @@
           <a:p>
             <a:fld id="{D3C1311D-0B96-4E2F-8392-CD2406DA462A}" type="datetimeFigureOut">
               <a:rPr lang="en-JM" smtClean="0"/>
-              <a:t>7/4/2018</a:t>
+              <a:t>9/4/2018</a:t>
             </a:fld>
             <a:endParaRPr lang="en-JM"/>
           </a:p>
@@ -459,7 +459,7 @@
           <a:p>
             <a:fld id="{D3C1311D-0B96-4E2F-8392-CD2406DA462A}" type="datetimeFigureOut">
               <a:rPr lang="en-JM" smtClean="0"/>
-              <a:t>7/4/2018</a:t>
+              <a:t>9/4/2018</a:t>
             </a:fld>
             <a:endParaRPr lang="en-JM"/>
           </a:p>
@@ -639,7 +639,7 @@
           <a:p>
             <a:fld id="{D3C1311D-0B96-4E2F-8392-CD2406DA462A}" type="datetimeFigureOut">
               <a:rPr lang="en-JM" smtClean="0"/>
-              <a:t>7/4/2018</a:t>
+              <a:t>9/4/2018</a:t>
             </a:fld>
             <a:endParaRPr lang="en-JM"/>
           </a:p>
@@ -809,7 +809,7 @@
           <a:p>
             <a:fld id="{D3C1311D-0B96-4E2F-8392-CD2406DA462A}" type="datetimeFigureOut">
               <a:rPr lang="en-JM" smtClean="0"/>
-              <a:t>7/4/2018</a:t>
+              <a:t>9/4/2018</a:t>
             </a:fld>
             <a:endParaRPr lang="en-JM"/>
           </a:p>
@@ -1055,7 +1055,7 @@
           <a:p>
             <a:fld id="{D3C1311D-0B96-4E2F-8392-CD2406DA462A}" type="datetimeFigureOut">
               <a:rPr lang="en-JM" smtClean="0"/>
-              <a:t>7/4/2018</a:t>
+              <a:t>9/4/2018</a:t>
             </a:fld>
             <a:endParaRPr lang="en-JM"/>
           </a:p>
@@ -1343,7 +1343,7 @@
           <a:p>
             <a:fld id="{D3C1311D-0B96-4E2F-8392-CD2406DA462A}" type="datetimeFigureOut">
               <a:rPr lang="en-JM" smtClean="0"/>
-              <a:t>7/4/2018</a:t>
+              <a:t>9/4/2018</a:t>
             </a:fld>
             <a:endParaRPr lang="en-JM"/>
           </a:p>
@@ -1765,7 +1765,7 @@
           <a:p>
             <a:fld id="{D3C1311D-0B96-4E2F-8392-CD2406DA462A}" type="datetimeFigureOut">
               <a:rPr lang="en-JM" smtClean="0"/>
-              <a:t>7/4/2018</a:t>
+              <a:t>9/4/2018</a:t>
             </a:fld>
             <a:endParaRPr lang="en-JM"/>
           </a:p>
@@ -1883,7 +1883,7 @@
           <a:p>
             <a:fld id="{D3C1311D-0B96-4E2F-8392-CD2406DA462A}" type="datetimeFigureOut">
               <a:rPr lang="en-JM" smtClean="0"/>
-              <a:t>7/4/2018</a:t>
+              <a:t>9/4/2018</a:t>
             </a:fld>
             <a:endParaRPr lang="en-JM"/>
           </a:p>
@@ -1978,7 +1978,7 @@
           <a:p>
             <a:fld id="{D3C1311D-0B96-4E2F-8392-CD2406DA462A}" type="datetimeFigureOut">
               <a:rPr lang="en-JM" smtClean="0"/>
-              <a:t>7/4/2018</a:t>
+              <a:t>9/4/2018</a:t>
             </a:fld>
             <a:endParaRPr lang="en-JM"/>
           </a:p>
@@ -2255,7 +2255,7 @@
           <a:p>
             <a:fld id="{D3C1311D-0B96-4E2F-8392-CD2406DA462A}" type="datetimeFigureOut">
               <a:rPr lang="en-JM" smtClean="0"/>
-              <a:t>7/4/2018</a:t>
+              <a:t>9/4/2018</a:t>
             </a:fld>
             <a:endParaRPr lang="en-JM"/>
           </a:p>
@@ -2508,7 +2508,7 @@
           <a:p>
             <a:fld id="{D3C1311D-0B96-4E2F-8392-CD2406DA462A}" type="datetimeFigureOut">
               <a:rPr lang="en-JM" smtClean="0"/>
-              <a:t>7/4/2018</a:t>
+              <a:t>9/4/2018</a:t>
             </a:fld>
             <a:endParaRPr lang="en-JM"/>
           </a:p>
@@ -2721,7 +2721,7 @@
           <a:p>
             <a:fld id="{D3C1311D-0B96-4E2F-8392-CD2406DA462A}" type="datetimeFigureOut">
               <a:rPr lang="en-JM" smtClean="0"/>
-              <a:t>7/4/2018</a:t>
+              <a:t>9/4/2018</a:t>
             </a:fld>
             <a:endParaRPr lang="en-JM"/>
           </a:p>
@@ -3194,7 +3194,7 @@
           <a:p>
             <a:r>
               <a:rPr lang="en-JM" dirty="0" smtClean="0"/>
-              <a:t>Introduction</a:t>
+              <a:t>Overview</a:t>
             </a:r>
             <a:endParaRPr lang="en-JM" dirty="0"/>
           </a:p>
@@ -3215,6 +3215,14 @@
           <a:bodyPr/>
           <a:lstStyle/>
           <a:p>
+            <a:r>
+              <a:rPr lang="en-JM" dirty="0" smtClean="0"/>
+              <a:t>The </a:t>
+            </a:r>
+            <a:r>
+              <a:rPr lang="en-JM" smtClean="0"/>
+              <a:t>JMTS serves </a:t>
+            </a:r>
             <a:endParaRPr lang="en-JM" dirty="0"/>
           </a:p>
         </p:txBody>

--- a/doc/Job Management & Tracking System Presentation.pptx
+++ b/doc/Job Management & Tracking System Presentation.pptx
@@ -7,6 +7,10 @@
   <p:sldIdLst>
     <p:sldId id="256" r:id="rId2"/>
     <p:sldId id="257" r:id="rId3"/>
+    <p:sldId id="258" r:id="rId4"/>
+    <p:sldId id="259" r:id="rId5"/>
+    <p:sldId id="260" r:id="rId6"/>
+    <p:sldId id="261" r:id="rId7"/>
   </p:sldIdLst>
   <p:sldSz cx="9144000" cy="6858000" type="screen4x3"/>
   <p:notesSz cx="6858000" cy="9144000"/>
@@ -289,7 +293,7 @@
           <a:p>
             <a:fld id="{D3C1311D-0B96-4E2F-8392-CD2406DA462A}" type="datetimeFigureOut">
               <a:rPr lang="en-JM" smtClean="0"/>
-              <a:t>9/4/2018</a:t>
+              <a:t>14/5/2018</a:t>
             </a:fld>
             <a:endParaRPr lang="en-JM"/>
           </a:p>
@@ -459,7 +463,7 @@
           <a:p>
             <a:fld id="{D3C1311D-0B96-4E2F-8392-CD2406DA462A}" type="datetimeFigureOut">
               <a:rPr lang="en-JM" smtClean="0"/>
-              <a:t>9/4/2018</a:t>
+              <a:t>14/5/2018</a:t>
             </a:fld>
             <a:endParaRPr lang="en-JM"/>
           </a:p>
@@ -639,7 +643,7 @@
           <a:p>
             <a:fld id="{D3C1311D-0B96-4E2F-8392-CD2406DA462A}" type="datetimeFigureOut">
               <a:rPr lang="en-JM" smtClean="0"/>
-              <a:t>9/4/2018</a:t>
+              <a:t>14/5/2018</a:t>
             </a:fld>
             <a:endParaRPr lang="en-JM"/>
           </a:p>
@@ -809,7 +813,7 @@
           <a:p>
             <a:fld id="{D3C1311D-0B96-4E2F-8392-CD2406DA462A}" type="datetimeFigureOut">
               <a:rPr lang="en-JM" smtClean="0"/>
-              <a:t>9/4/2018</a:t>
+              <a:t>14/5/2018</a:t>
             </a:fld>
             <a:endParaRPr lang="en-JM"/>
           </a:p>
@@ -1055,7 +1059,7 @@
           <a:p>
             <a:fld id="{D3C1311D-0B96-4E2F-8392-CD2406DA462A}" type="datetimeFigureOut">
               <a:rPr lang="en-JM" smtClean="0"/>
-              <a:t>9/4/2018</a:t>
+              <a:t>14/5/2018</a:t>
             </a:fld>
             <a:endParaRPr lang="en-JM"/>
           </a:p>
@@ -1343,7 +1347,7 @@
           <a:p>
             <a:fld id="{D3C1311D-0B96-4E2F-8392-CD2406DA462A}" type="datetimeFigureOut">
               <a:rPr lang="en-JM" smtClean="0"/>
-              <a:t>9/4/2018</a:t>
+              <a:t>14/5/2018</a:t>
             </a:fld>
             <a:endParaRPr lang="en-JM"/>
           </a:p>
@@ -1765,7 +1769,7 @@
           <a:p>
             <a:fld id="{D3C1311D-0B96-4E2F-8392-CD2406DA462A}" type="datetimeFigureOut">
               <a:rPr lang="en-JM" smtClean="0"/>
-              <a:t>9/4/2018</a:t>
+              <a:t>14/5/2018</a:t>
             </a:fld>
             <a:endParaRPr lang="en-JM"/>
           </a:p>
@@ -1883,7 +1887,7 @@
           <a:p>
             <a:fld id="{D3C1311D-0B96-4E2F-8392-CD2406DA462A}" type="datetimeFigureOut">
               <a:rPr lang="en-JM" smtClean="0"/>
-              <a:t>9/4/2018</a:t>
+              <a:t>14/5/2018</a:t>
             </a:fld>
             <a:endParaRPr lang="en-JM"/>
           </a:p>
@@ -1978,7 +1982,7 @@
           <a:p>
             <a:fld id="{D3C1311D-0B96-4E2F-8392-CD2406DA462A}" type="datetimeFigureOut">
               <a:rPr lang="en-JM" smtClean="0"/>
-              <a:t>9/4/2018</a:t>
+              <a:t>14/5/2018</a:t>
             </a:fld>
             <a:endParaRPr lang="en-JM"/>
           </a:p>
@@ -2255,7 +2259,7 @@
           <a:p>
             <a:fld id="{D3C1311D-0B96-4E2F-8392-CD2406DA462A}" type="datetimeFigureOut">
               <a:rPr lang="en-JM" smtClean="0"/>
-              <a:t>9/4/2018</a:t>
+              <a:t>14/5/2018</a:t>
             </a:fld>
             <a:endParaRPr lang="en-JM"/>
           </a:p>
@@ -2508,7 +2512,7 @@
           <a:p>
             <a:fld id="{D3C1311D-0B96-4E2F-8392-CD2406DA462A}" type="datetimeFigureOut">
               <a:rPr lang="en-JM" smtClean="0"/>
-              <a:t>9/4/2018</a:t>
+              <a:t>14/5/2018</a:t>
             </a:fld>
             <a:endParaRPr lang="en-JM"/>
           </a:p>
@@ -2721,7 +2725,7 @@
           <a:p>
             <a:fld id="{D3C1311D-0B96-4E2F-8392-CD2406DA462A}" type="datetimeFigureOut">
               <a:rPr lang="en-JM" smtClean="0"/>
-              <a:t>9/4/2018</a:t>
+              <a:t>14/5/2018</a:t>
             </a:fld>
             <a:endParaRPr lang="en-JM"/>
           </a:p>
@@ -3143,7 +3147,11 @@
           <a:bodyPr/>
           <a:lstStyle/>
           <a:p>
-            <a:endParaRPr lang="en-JM"/>
+            <a:r>
+              <a:rPr lang="en-JM" dirty="0" smtClean="0"/>
+              <a:t>Now and the Future</a:t>
+            </a:r>
+            <a:endParaRPr lang="en-JM" dirty="0"/>
           </a:p>
         </p:txBody>
       </p:sp>
@@ -3194,7 +3202,7 @@
           <a:p>
             <a:r>
               <a:rPr lang="en-JM" dirty="0" smtClean="0"/>
-              <a:t>Overview</a:t>
+              <a:t>Contents</a:t>
             </a:r>
             <a:endParaRPr lang="en-JM" dirty="0"/>
           </a:p>
@@ -3212,17 +3220,54 @@
         </p:nvSpPr>
         <p:spPr/>
         <p:txBody>
-          <a:bodyPr/>
+          <a:bodyPr>
+            <a:normAutofit/>
+          </a:bodyPr>
           <a:lstStyle/>
           <a:p>
             <a:r>
               <a:rPr lang="en-JM" dirty="0" smtClean="0"/>
-              <a:t>The </a:t>
-            </a:r>
-            <a:r>
-              <a:rPr lang="en-JM" smtClean="0"/>
-              <a:t>JMTS serves </a:t>
-            </a:r>
+              <a:t>What is it?</a:t>
+            </a:r>
+          </a:p>
+          <a:p>
+            <a:r>
+              <a:rPr lang="en-JM" dirty="0" smtClean="0"/>
+              <a:t>Current Features </a:t>
+            </a:r>
+          </a:p>
+          <a:p>
+            <a:r>
+              <a:rPr lang="en-JM" dirty="0" smtClean="0"/>
+              <a:t>Features being Updated or Developed</a:t>
+            </a:r>
+          </a:p>
+          <a:p>
+            <a:r>
+              <a:rPr lang="en-JM" dirty="0" smtClean="0"/>
+              <a:t>Screenshots</a:t>
+            </a:r>
+          </a:p>
+          <a:p>
+            <a:r>
+              <a:rPr lang="en-JM" dirty="0" smtClean="0"/>
+              <a:t>Development Methodology</a:t>
+            </a:r>
+          </a:p>
+          <a:p>
+            <a:r>
+              <a:rPr lang="en-JM" dirty="0" smtClean="0"/>
+              <a:t>Proposed Deployment and Usage</a:t>
+            </a:r>
+          </a:p>
+          <a:p>
+            <a:r>
+              <a:rPr lang="en-JM" dirty="0" smtClean="0"/>
+              <a:t>Conclusion</a:t>
+            </a:r>
+            <a:endParaRPr lang="en-JM" dirty="0" smtClean="0"/>
+          </a:p>
+          <a:p>
             <a:endParaRPr lang="en-JM" dirty="0"/>
           </a:p>
         </p:txBody>
@@ -3231,6 +3276,401 @@
     <p:extLst>
       <p:ext uri="{BB962C8B-B14F-4D97-AF65-F5344CB8AC3E}">
         <p14:creationId xmlns:p14="http://schemas.microsoft.com/office/powerpoint/2010/main" val="2630877"/>
+      </p:ext>
+    </p:extLst>
+  </p:cSld>
+  <p:clrMapOvr>
+    <a:masterClrMapping/>
+  </p:clrMapOvr>
+</p:sld>
+</file>
+
+<file path=ppt/slides/slide3.xml><?xml version="1.0" encoding="utf-8"?>
+<p:sld xmlns:a="http://schemas.openxmlformats.org/drawingml/2006/main" xmlns:r="http://schemas.openxmlformats.org/officeDocument/2006/relationships" xmlns:p="http://schemas.openxmlformats.org/presentationml/2006/main">
+  <p:cSld>
+    <p:spTree>
+      <p:nvGrpSpPr>
+        <p:cNvPr id="1" name=""/>
+        <p:cNvGrpSpPr/>
+        <p:nvPr/>
+      </p:nvGrpSpPr>
+      <p:grpSpPr>
+        <a:xfrm>
+          <a:off x="0" y="0"/>
+          <a:ext cx="0" cy="0"/>
+          <a:chOff x="0" y="0"/>
+          <a:chExt cx="0" cy="0"/>
+        </a:xfrm>
+      </p:grpSpPr>
+      <p:sp>
+        <p:nvSpPr>
+          <p:cNvPr id="2" name="Title 1"/>
+          <p:cNvSpPr>
+            <a:spLocks noGrp="1"/>
+          </p:cNvSpPr>
+          <p:nvPr>
+            <p:ph type="title"/>
+          </p:nvPr>
+        </p:nvSpPr>
+        <p:spPr/>
+        <p:txBody>
+          <a:bodyPr/>
+          <a:lstStyle/>
+          <a:p>
+            <a:r>
+              <a:rPr lang="en-JM" dirty="0" smtClean="0"/>
+              <a:t>What is it?</a:t>
+            </a:r>
+            <a:endParaRPr lang="en-JM" dirty="0"/>
+          </a:p>
+        </p:txBody>
+      </p:sp>
+      <p:sp>
+        <p:nvSpPr>
+          <p:cNvPr id="3" name="Content Placeholder 2"/>
+          <p:cNvSpPr>
+            <a:spLocks noGrp="1"/>
+          </p:cNvSpPr>
+          <p:nvPr>
+            <p:ph idx="1"/>
+          </p:nvPr>
+        </p:nvSpPr>
+        <p:spPr/>
+        <p:txBody>
+          <a:bodyPr/>
+          <a:lstStyle/>
+          <a:p>
+            <a:r>
+              <a:rPr lang="en-JM" dirty="0" smtClean="0"/>
+              <a:t>An Enterprise Resource Planning (ERP) software</a:t>
+            </a:r>
+          </a:p>
+          <a:p>
+            <a:r>
+              <a:rPr lang="en-JM" dirty="0" smtClean="0"/>
+              <a:t>Tailored for Standards and Regulatory organizations</a:t>
+            </a:r>
+          </a:p>
+          <a:p>
+            <a:r>
+              <a:rPr lang="en-JM" dirty="0" smtClean="0"/>
+              <a:t>A common database that supports all software modules</a:t>
+            </a:r>
+          </a:p>
+          <a:p>
+            <a:r>
+              <a:rPr lang="en-JM" dirty="0" smtClean="0"/>
+              <a:t>Support for multiple organizations with separate business entities such as clients</a:t>
+            </a:r>
+          </a:p>
+          <a:p>
+            <a:endParaRPr lang="en-JM" dirty="0"/>
+          </a:p>
+        </p:txBody>
+      </p:sp>
+    </p:spTree>
+    <p:extLst>
+      <p:ext uri="{BB962C8B-B14F-4D97-AF65-F5344CB8AC3E}">
+        <p14:creationId xmlns:p14="http://schemas.microsoft.com/office/powerpoint/2010/main" val="2099303383"/>
+      </p:ext>
+    </p:extLst>
+  </p:cSld>
+  <p:clrMapOvr>
+    <a:masterClrMapping/>
+  </p:clrMapOvr>
+</p:sld>
+</file>
+
+<file path=ppt/slides/slide4.xml><?xml version="1.0" encoding="utf-8"?>
+<p:sld xmlns:a="http://schemas.openxmlformats.org/drawingml/2006/main" xmlns:r="http://schemas.openxmlformats.org/officeDocument/2006/relationships" xmlns:p="http://schemas.openxmlformats.org/presentationml/2006/main">
+  <p:cSld>
+    <p:spTree>
+      <p:nvGrpSpPr>
+        <p:cNvPr id="1" name=""/>
+        <p:cNvGrpSpPr/>
+        <p:nvPr/>
+      </p:nvGrpSpPr>
+      <p:grpSpPr>
+        <a:xfrm>
+          <a:off x="0" y="0"/>
+          <a:ext cx="0" cy="0"/>
+          <a:chOff x="0" y="0"/>
+          <a:chExt cx="0" cy="0"/>
+        </a:xfrm>
+      </p:grpSpPr>
+      <p:sp>
+        <p:nvSpPr>
+          <p:cNvPr id="2" name="Title 1"/>
+          <p:cNvSpPr>
+            <a:spLocks noGrp="1"/>
+          </p:cNvSpPr>
+          <p:nvPr>
+            <p:ph type="title"/>
+          </p:nvPr>
+        </p:nvSpPr>
+        <p:spPr/>
+        <p:txBody>
+          <a:bodyPr>
+            <a:normAutofit/>
+          </a:bodyPr>
+          <a:lstStyle/>
+          <a:p>
+            <a:r>
+              <a:rPr lang="en-JM" dirty="0"/>
+              <a:t>Current </a:t>
+            </a:r>
+            <a:r>
+              <a:rPr lang="en-JM" dirty="0" smtClean="0"/>
+              <a:t>Features </a:t>
+            </a:r>
+            <a:endParaRPr lang="en-JM" dirty="0"/>
+          </a:p>
+        </p:txBody>
+      </p:sp>
+      <p:sp>
+        <p:nvSpPr>
+          <p:cNvPr id="3" name="Content Placeholder 2"/>
+          <p:cNvSpPr>
+            <a:spLocks noGrp="1"/>
+          </p:cNvSpPr>
+          <p:nvPr>
+            <p:ph idx="1"/>
+          </p:nvPr>
+        </p:nvSpPr>
+        <p:spPr/>
+        <p:txBody>
+          <a:bodyPr>
+            <a:normAutofit fontScale="92500" lnSpcReduction="20000"/>
+          </a:bodyPr>
+          <a:lstStyle/>
+          <a:p>
+            <a:r>
+              <a:rPr lang="en-JM" dirty="0" smtClean="0"/>
+              <a:t>Advance job management features</a:t>
+            </a:r>
+          </a:p>
+          <a:p>
+            <a:r>
+              <a:rPr lang="en-JM" dirty="0" smtClean="0"/>
+              <a:t>Limited job status and tracking features</a:t>
+            </a:r>
+          </a:p>
+          <a:p>
+            <a:r>
+              <a:rPr lang="en-JM" dirty="0" smtClean="0"/>
+              <a:t>Complete job costing features</a:t>
+            </a:r>
+          </a:p>
+          <a:p>
+            <a:r>
+              <a:rPr lang="en-JM" dirty="0" smtClean="0"/>
+              <a:t>Partially complete system-wide configuration and management features</a:t>
+            </a:r>
+          </a:p>
+          <a:p>
+            <a:r>
+              <a:rPr lang="en-JM" dirty="0" smtClean="0"/>
+              <a:t>Existing Legal Office database application included as a module</a:t>
+            </a:r>
+          </a:p>
+          <a:p>
+            <a:r>
+              <a:rPr lang="en-JM" dirty="0" smtClean="0"/>
+              <a:t>Inactive and incomplete alerts and notification system</a:t>
+            </a:r>
+          </a:p>
+          <a:p>
+            <a:r>
+              <a:rPr lang="en-JM" dirty="0" smtClean="0"/>
+              <a:t>Inadequate management and other reports</a:t>
+            </a:r>
+          </a:p>
+          <a:p>
+            <a:endParaRPr lang="en-JM" dirty="0" smtClean="0"/>
+          </a:p>
+          <a:p>
+            <a:endParaRPr lang="en-JM" dirty="0"/>
+          </a:p>
+        </p:txBody>
+      </p:sp>
+    </p:spTree>
+    <p:extLst>
+      <p:ext uri="{BB962C8B-B14F-4D97-AF65-F5344CB8AC3E}">
+        <p14:creationId xmlns:p14="http://schemas.microsoft.com/office/powerpoint/2010/main" val="2803771130"/>
+      </p:ext>
+    </p:extLst>
+  </p:cSld>
+  <p:clrMapOvr>
+    <a:masterClrMapping/>
+  </p:clrMapOvr>
+</p:sld>
+</file>
+
+<file path=ppt/slides/slide5.xml><?xml version="1.0" encoding="utf-8"?>
+<p:sld xmlns:a="http://schemas.openxmlformats.org/drawingml/2006/main" xmlns:r="http://schemas.openxmlformats.org/officeDocument/2006/relationships" xmlns:p="http://schemas.openxmlformats.org/presentationml/2006/main">
+  <p:cSld>
+    <p:spTree>
+      <p:nvGrpSpPr>
+        <p:cNvPr id="1" name=""/>
+        <p:cNvGrpSpPr/>
+        <p:nvPr/>
+      </p:nvGrpSpPr>
+      <p:grpSpPr>
+        <a:xfrm>
+          <a:off x="0" y="0"/>
+          <a:ext cx="0" cy="0"/>
+          <a:chOff x="0" y="0"/>
+          <a:chExt cx="0" cy="0"/>
+        </a:xfrm>
+      </p:grpSpPr>
+      <p:sp>
+        <p:nvSpPr>
+          <p:cNvPr id="2" name="Title 1"/>
+          <p:cNvSpPr>
+            <a:spLocks noGrp="1"/>
+          </p:cNvSpPr>
+          <p:nvPr>
+            <p:ph type="title"/>
+          </p:nvPr>
+        </p:nvSpPr>
+        <p:spPr/>
+        <p:txBody>
+          <a:bodyPr>
+            <a:normAutofit fontScale="90000"/>
+          </a:bodyPr>
+          <a:lstStyle/>
+          <a:p>
+            <a:r>
+              <a:rPr lang="en-JM" dirty="0"/>
+              <a:t>Features being Updated or Developed</a:t>
+            </a:r>
+          </a:p>
+        </p:txBody>
+      </p:sp>
+      <p:sp>
+        <p:nvSpPr>
+          <p:cNvPr id="3" name="Content Placeholder 2"/>
+          <p:cNvSpPr>
+            <a:spLocks noGrp="1"/>
+          </p:cNvSpPr>
+          <p:nvPr>
+            <p:ph idx="1"/>
+          </p:nvPr>
+        </p:nvSpPr>
+        <p:spPr/>
+        <p:txBody>
+          <a:bodyPr>
+            <a:normAutofit lnSpcReduction="10000"/>
+          </a:bodyPr>
+          <a:lstStyle/>
+          <a:p>
+            <a:r>
+              <a:rPr lang="en-JM" dirty="0" smtClean="0"/>
+              <a:t>Updated job management and tracking features with alerts and notifications</a:t>
+            </a:r>
+          </a:p>
+          <a:p>
+            <a:r>
+              <a:rPr lang="en-JM" dirty="0" smtClean="0"/>
+              <a:t>Additional software modules to meet standards, certification and regulatory needs (see screenshots)</a:t>
+            </a:r>
+          </a:p>
+          <a:p>
+            <a:r>
+              <a:rPr lang="en-JM" dirty="0" smtClean="0"/>
+              <a:t>Enhanced system administration features (see screenshots)</a:t>
+            </a:r>
+          </a:p>
+          <a:p>
+            <a:r>
+              <a:rPr lang="en-JM" dirty="0" smtClean="0"/>
+              <a:t>Over 20 job related and other reports (see screenshots)</a:t>
+            </a:r>
+          </a:p>
+          <a:p>
+            <a:endParaRPr lang="en-JM" dirty="0" smtClean="0"/>
+          </a:p>
+          <a:p>
+            <a:endParaRPr lang="en-JM" dirty="0"/>
+          </a:p>
+        </p:txBody>
+      </p:sp>
+    </p:spTree>
+    <p:extLst>
+      <p:ext uri="{BB962C8B-B14F-4D97-AF65-F5344CB8AC3E}">
+        <p14:creationId xmlns:p14="http://schemas.microsoft.com/office/powerpoint/2010/main" val="2966738122"/>
+      </p:ext>
+    </p:extLst>
+  </p:cSld>
+  <p:clrMapOvr>
+    <a:masterClrMapping/>
+  </p:clrMapOvr>
+</p:sld>
+</file>
+
+<file path=ppt/slides/slide6.xml><?xml version="1.0" encoding="utf-8"?>
+<p:sld xmlns:a="http://schemas.openxmlformats.org/drawingml/2006/main" xmlns:r="http://schemas.openxmlformats.org/officeDocument/2006/relationships" xmlns:p="http://schemas.openxmlformats.org/presentationml/2006/main">
+  <p:cSld>
+    <p:spTree>
+      <p:nvGrpSpPr>
+        <p:cNvPr id="1" name=""/>
+        <p:cNvGrpSpPr/>
+        <p:nvPr/>
+      </p:nvGrpSpPr>
+      <p:grpSpPr>
+        <a:xfrm>
+          <a:off x="0" y="0"/>
+          <a:ext cx="0" cy="0"/>
+          <a:chOff x="0" y="0"/>
+          <a:chExt cx="0" cy="0"/>
+        </a:xfrm>
+      </p:grpSpPr>
+      <p:sp>
+        <p:nvSpPr>
+          <p:cNvPr id="2" name="Title 1"/>
+          <p:cNvSpPr>
+            <a:spLocks noGrp="1"/>
+          </p:cNvSpPr>
+          <p:nvPr>
+            <p:ph type="title"/>
+          </p:nvPr>
+        </p:nvSpPr>
+        <p:spPr/>
+        <p:txBody>
+          <a:bodyPr/>
+          <a:lstStyle/>
+          <a:p>
+            <a:r>
+              <a:rPr lang="en-JM" dirty="0" smtClean="0"/>
+              <a:t>Screenshots</a:t>
+            </a:r>
+            <a:endParaRPr lang="en-JM" dirty="0"/>
+          </a:p>
+        </p:txBody>
+      </p:sp>
+      <p:sp>
+        <p:nvSpPr>
+          <p:cNvPr id="3" name="Content Placeholder 2"/>
+          <p:cNvSpPr>
+            <a:spLocks noGrp="1"/>
+          </p:cNvSpPr>
+          <p:nvPr>
+            <p:ph idx="1"/>
+          </p:nvPr>
+        </p:nvSpPr>
+        <p:spPr/>
+        <p:txBody>
+          <a:bodyPr/>
+          <a:lstStyle/>
+          <a:p>
+            <a:endParaRPr lang="en-JM" dirty="0"/>
+          </a:p>
+        </p:txBody>
+      </p:sp>
+    </p:spTree>
+    <p:extLst>
+      <p:ext uri="{BB962C8B-B14F-4D97-AF65-F5344CB8AC3E}">
+        <p14:creationId xmlns:p14="http://schemas.microsoft.com/office/powerpoint/2010/main" val="1359336006"/>
       </p:ext>
     </p:extLst>
   </p:cSld>

--- a/doc/Job Management & Tracking System Presentation.pptx
+++ b/doc/Job Management & Tracking System Presentation.pptx
@@ -11,6 +11,12 @@
     <p:sldId id="259" r:id="rId5"/>
     <p:sldId id="260" r:id="rId6"/>
     <p:sldId id="261" r:id="rId7"/>
+    <p:sldId id="262" r:id="rId8"/>
+    <p:sldId id="263" r:id="rId9"/>
+    <p:sldId id="264" r:id="rId10"/>
+    <p:sldId id="265" r:id="rId11"/>
+    <p:sldId id="266" r:id="rId12"/>
+    <p:sldId id="267" r:id="rId13"/>
   </p:sldIdLst>
   <p:sldSz cx="9144000" cy="6858000" type="screen4x3"/>
   <p:notesSz cx="6858000" cy="9144000"/>
@@ -293,7 +299,7 @@
           <a:p>
             <a:fld id="{D3C1311D-0B96-4E2F-8392-CD2406DA462A}" type="datetimeFigureOut">
               <a:rPr lang="en-JM" smtClean="0"/>
-              <a:t>14/5/2018</a:t>
+              <a:t>15/5/2018</a:t>
             </a:fld>
             <a:endParaRPr lang="en-JM"/>
           </a:p>
@@ -463,7 +469,7 @@
           <a:p>
             <a:fld id="{D3C1311D-0B96-4E2F-8392-CD2406DA462A}" type="datetimeFigureOut">
               <a:rPr lang="en-JM" smtClean="0"/>
-              <a:t>14/5/2018</a:t>
+              <a:t>15/5/2018</a:t>
             </a:fld>
             <a:endParaRPr lang="en-JM"/>
           </a:p>
@@ -643,7 +649,7 @@
           <a:p>
             <a:fld id="{D3C1311D-0B96-4E2F-8392-CD2406DA462A}" type="datetimeFigureOut">
               <a:rPr lang="en-JM" smtClean="0"/>
-              <a:t>14/5/2018</a:t>
+              <a:t>15/5/2018</a:t>
             </a:fld>
             <a:endParaRPr lang="en-JM"/>
           </a:p>
@@ -813,7 +819,7 @@
           <a:p>
             <a:fld id="{D3C1311D-0B96-4E2F-8392-CD2406DA462A}" type="datetimeFigureOut">
               <a:rPr lang="en-JM" smtClean="0"/>
-              <a:t>14/5/2018</a:t>
+              <a:t>15/5/2018</a:t>
             </a:fld>
             <a:endParaRPr lang="en-JM"/>
           </a:p>
@@ -1059,7 +1065,7 @@
           <a:p>
             <a:fld id="{D3C1311D-0B96-4E2F-8392-CD2406DA462A}" type="datetimeFigureOut">
               <a:rPr lang="en-JM" smtClean="0"/>
-              <a:t>14/5/2018</a:t>
+              <a:t>15/5/2018</a:t>
             </a:fld>
             <a:endParaRPr lang="en-JM"/>
           </a:p>
@@ -1347,7 +1353,7 @@
           <a:p>
             <a:fld id="{D3C1311D-0B96-4E2F-8392-CD2406DA462A}" type="datetimeFigureOut">
               <a:rPr lang="en-JM" smtClean="0"/>
-              <a:t>14/5/2018</a:t>
+              <a:t>15/5/2018</a:t>
             </a:fld>
             <a:endParaRPr lang="en-JM"/>
           </a:p>
@@ -1769,7 +1775,7 @@
           <a:p>
             <a:fld id="{D3C1311D-0B96-4E2F-8392-CD2406DA462A}" type="datetimeFigureOut">
               <a:rPr lang="en-JM" smtClean="0"/>
-              <a:t>14/5/2018</a:t>
+              <a:t>15/5/2018</a:t>
             </a:fld>
             <a:endParaRPr lang="en-JM"/>
           </a:p>
@@ -1887,7 +1893,7 @@
           <a:p>
             <a:fld id="{D3C1311D-0B96-4E2F-8392-CD2406DA462A}" type="datetimeFigureOut">
               <a:rPr lang="en-JM" smtClean="0"/>
-              <a:t>14/5/2018</a:t>
+              <a:t>15/5/2018</a:t>
             </a:fld>
             <a:endParaRPr lang="en-JM"/>
           </a:p>
@@ -1982,7 +1988,7 @@
           <a:p>
             <a:fld id="{D3C1311D-0B96-4E2F-8392-CD2406DA462A}" type="datetimeFigureOut">
               <a:rPr lang="en-JM" smtClean="0"/>
-              <a:t>14/5/2018</a:t>
+              <a:t>15/5/2018</a:t>
             </a:fld>
             <a:endParaRPr lang="en-JM"/>
           </a:p>
@@ -2259,7 +2265,7 @@
           <a:p>
             <a:fld id="{D3C1311D-0B96-4E2F-8392-CD2406DA462A}" type="datetimeFigureOut">
               <a:rPr lang="en-JM" smtClean="0"/>
-              <a:t>14/5/2018</a:t>
+              <a:t>15/5/2018</a:t>
             </a:fld>
             <a:endParaRPr lang="en-JM"/>
           </a:p>
@@ -2512,7 +2518,7 @@
           <a:p>
             <a:fld id="{D3C1311D-0B96-4E2F-8392-CD2406DA462A}" type="datetimeFigureOut">
               <a:rPr lang="en-JM" smtClean="0"/>
-              <a:t>14/5/2018</a:t>
+              <a:t>15/5/2018</a:t>
             </a:fld>
             <a:endParaRPr lang="en-JM"/>
           </a:p>
@@ -2725,7 +2731,7 @@
           <a:p>
             <a:fld id="{D3C1311D-0B96-4E2F-8392-CD2406DA462A}" type="datetimeFigureOut">
               <a:rPr lang="en-JM" smtClean="0"/>
-              <a:t>14/5/2018</a:t>
+              <a:t>15/5/2018</a:t>
             </a:fld>
             <a:endParaRPr lang="en-JM"/>
           </a:p>
@@ -3168,6 +3174,340 @@
 </p:sld>
 </file>
 
+<file path=ppt/slides/slide10.xml><?xml version="1.0" encoding="utf-8"?>
+<p:sld xmlns:a="http://schemas.openxmlformats.org/drawingml/2006/main" xmlns:r="http://schemas.openxmlformats.org/officeDocument/2006/relationships" xmlns:p="http://schemas.openxmlformats.org/presentationml/2006/main">
+  <p:cSld>
+    <p:spTree>
+      <p:nvGrpSpPr>
+        <p:cNvPr id="1" name=""/>
+        <p:cNvGrpSpPr/>
+        <p:nvPr/>
+      </p:nvGrpSpPr>
+      <p:grpSpPr>
+        <a:xfrm>
+          <a:off x="0" y="0"/>
+          <a:ext cx="0" cy="0"/>
+          <a:chOff x="0" y="0"/>
+          <a:chExt cx="0" cy="0"/>
+        </a:xfrm>
+      </p:grpSpPr>
+      <p:sp>
+        <p:nvSpPr>
+          <p:cNvPr id="2" name="Title 1"/>
+          <p:cNvSpPr>
+            <a:spLocks noGrp="1"/>
+          </p:cNvSpPr>
+          <p:nvPr>
+            <p:ph type="title"/>
+          </p:nvPr>
+        </p:nvSpPr>
+        <p:spPr/>
+        <p:txBody>
+          <a:bodyPr/>
+          <a:lstStyle/>
+          <a:p>
+            <a:r>
+              <a:rPr lang="en-JM" dirty="0"/>
+              <a:t>Screenshots (continued)</a:t>
+            </a:r>
+          </a:p>
+        </p:txBody>
+      </p:sp>
+      <p:pic>
+        <p:nvPicPr>
+          <p:cNvPr id="4" name="Content Placeholder 3"/>
+          <p:cNvPicPr>
+            <a:picLocks noGrp="1" noChangeAspect="1"/>
+          </p:cNvPicPr>
+          <p:nvPr>
+            <p:ph idx="1"/>
+          </p:nvPr>
+        </p:nvPicPr>
+        <p:blipFill>
+          <a:blip r:embed="rId2">
+            <a:extLst>
+              <a:ext uri="{28A0092B-C50C-407E-A947-70E740481C1C}">
+                <a14:useLocalDpi xmlns:a14="http://schemas.microsoft.com/office/drawing/2010/main" val="0"/>
+              </a:ext>
+            </a:extLst>
+          </a:blip>
+          <a:stretch>
+            <a:fillRect/>
+          </a:stretch>
+        </p:blipFill>
+        <p:spPr>
+          <a:xfrm>
+            <a:off x="1331640" y="1340768"/>
+            <a:ext cx="6199802" cy="3889115"/>
+          </a:xfrm>
+        </p:spPr>
+      </p:pic>
+      <p:sp>
+        <p:nvSpPr>
+          <p:cNvPr id="5" name="Line Callout 1 4"/>
+          <p:cNvSpPr/>
+          <p:nvPr/>
+        </p:nvSpPr>
+        <p:spPr>
+          <a:xfrm>
+            <a:off x="5580112" y="4869160"/>
+            <a:ext cx="3096344" cy="1512168"/>
+          </a:xfrm>
+          <a:prstGeom prst="borderCallout1">
+            <a:avLst>
+              <a:gd name="adj1" fmla="val 18750"/>
+              <a:gd name="adj2" fmla="val -8333"/>
+              <a:gd name="adj3" fmla="val -119873"/>
+              <a:gd name="adj4" fmla="val -43115"/>
+            </a:avLst>
+          </a:prstGeom>
+        </p:spPr>
+        <p:style>
+          <a:lnRef idx="2">
+            <a:schemeClr val="accent1">
+              <a:shade val="50000"/>
+            </a:schemeClr>
+          </a:lnRef>
+          <a:fillRef idx="1">
+            <a:schemeClr val="accent1"/>
+          </a:fillRef>
+          <a:effectRef idx="0">
+            <a:schemeClr val="accent1"/>
+          </a:effectRef>
+          <a:fontRef idx="minor">
+            <a:schemeClr val="lt1"/>
+          </a:fontRef>
+        </p:style>
+        <p:txBody>
+          <a:bodyPr rtlCol="0" anchor="ctr"/>
+          <a:lstStyle/>
+          <a:p>
+            <a:pPr algn="ctr"/>
+            <a:r>
+              <a:rPr lang="en-JM" dirty="0" smtClean="0"/>
+              <a:t>Integration with the enterprise’s accounting software allows the credit status of a client to be determined</a:t>
+            </a:r>
+            <a:endParaRPr lang="en-JM" dirty="0"/>
+          </a:p>
+        </p:txBody>
+      </p:sp>
+    </p:spTree>
+    <p:extLst>
+      <p:ext uri="{BB962C8B-B14F-4D97-AF65-F5344CB8AC3E}">
+        <p14:creationId xmlns:p14="http://schemas.microsoft.com/office/powerpoint/2010/main" val="1940289205"/>
+      </p:ext>
+    </p:extLst>
+  </p:cSld>
+  <p:clrMapOvr>
+    <a:masterClrMapping/>
+  </p:clrMapOvr>
+</p:sld>
+</file>
+
+<file path=ppt/slides/slide11.xml><?xml version="1.0" encoding="utf-8"?>
+<p:sld xmlns:a="http://schemas.openxmlformats.org/drawingml/2006/main" xmlns:r="http://schemas.openxmlformats.org/officeDocument/2006/relationships" xmlns:p="http://schemas.openxmlformats.org/presentationml/2006/main">
+  <p:cSld>
+    <p:spTree>
+      <p:nvGrpSpPr>
+        <p:cNvPr id="1" name=""/>
+        <p:cNvGrpSpPr/>
+        <p:nvPr/>
+      </p:nvGrpSpPr>
+      <p:grpSpPr>
+        <a:xfrm>
+          <a:off x="0" y="0"/>
+          <a:ext cx="0" cy="0"/>
+          <a:chOff x="0" y="0"/>
+          <a:chExt cx="0" cy="0"/>
+        </a:xfrm>
+      </p:grpSpPr>
+      <p:sp>
+        <p:nvSpPr>
+          <p:cNvPr id="2" name="Title 1"/>
+          <p:cNvSpPr>
+            <a:spLocks noGrp="1"/>
+          </p:cNvSpPr>
+          <p:nvPr>
+            <p:ph type="title"/>
+          </p:nvPr>
+        </p:nvSpPr>
+        <p:spPr/>
+        <p:txBody>
+          <a:bodyPr>
+            <a:normAutofit/>
+          </a:bodyPr>
+          <a:lstStyle/>
+          <a:p>
+            <a:r>
+              <a:rPr lang="en-JM" dirty="0"/>
+              <a:t>Development </a:t>
+            </a:r>
+            <a:r>
+              <a:rPr lang="en-JM" dirty="0" smtClean="0"/>
+              <a:t>Methodology</a:t>
+            </a:r>
+            <a:endParaRPr lang="en-JM" dirty="0"/>
+          </a:p>
+        </p:txBody>
+      </p:sp>
+      <p:sp>
+        <p:nvSpPr>
+          <p:cNvPr id="3" name="Content Placeholder 2"/>
+          <p:cNvSpPr>
+            <a:spLocks noGrp="1"/>
+          </p:cNvSpPr>
+          <p:nvPr>
+            <p:ph idx="1"/>
+          </p:nvPr>
+        </p:nvSpPr>
+        <p:spPr/>
+        <p:txBody>
+          <a:bodyPr/>
+          <a:lstStyle/>
+          <a:p>
+            <a:r>
+              <a:rPr lang="en-JM" dirty="0" smtClean="0"/>
+              <a:t>Process mapping and requirements gathering</a:t>
+            </a:r>
+          </a:p>
+          <a:p>
+            <a:r>
+              <a:rPr lang="en-JM" dirty="0" smtClean="0"/>
+              <a:t>Agile methodology for software development</a:t>
+            </a:r>
+          </a:p>
+          <a:p>
+            <a:r>
+              <a:rPr lang="en-JM" dirty="0" smtClean="0"/>
+              <a:t>Unit (with JUnit) and User Acceptance Testing (UAT)</a:t>
+            </a:r>
+          </a:p>
+          <a:p>
+            <a:r>
+              <a:rPr lang="en-JM" dirty="0" smtClean="0"/>
+              <a:t>Continuous incremental deployments </a:t>
+            </a:r>
+          </a:p>
+          <a:p>
+            <a:r>
+              <a:rPr lang="en-JM" dirty="0" smtClean="0"/>
+              <a:t> User feedback and from beta version releases</a:t>
+            </a:r>
+          </a:p>
+          <a:p>
+            <a:r>
+              <a:rPr lang="en-JM" dirty="0" smtClean="0"/>
+              <a:t>Web application security assessment</a:t>
+            </a:r>
+          </a:p>
+          <a:p>
+            <a:endParaRPr lang="en-JM" dirty="0"/>
+          </a:p>
+        </p:txBody>
+      </p:sp>
+    </p:spTree>
+    <p:extLst>
+      <p:ext uri="{BB962C8B-B14F-4D97-AF65-F5344CB8AC3E}">
+        <p14:creationId xmlns:p14="http://schemas.microsoft.com/office/powerpoint/2010/main" val="280972111"/>
+      </p:ext>
+    </p:extLst>
+  </p:cSld>
+  <p:clrMapOvr>
+    <a:masterClrMapping/>
+  </p:clrMapOvr>
+</p:sld>
+</file>
+
+<file path=ppt/slides/slide12.xml><?xml version="1.0" encoding="utf-8"?>
+<p:sld xmlns:a="http://schemas.openxmlformats.org/drawingml/2006/main" xmlns:r="http://schemas.openxmlformats.org/officeDocument/2006/relationships" xmlns:p="http://schemas.openxmlformats.org/presentationml/2006/main">
+  <p:cSld>
+    <p:spTree>
+      <p:nvGrpSpPr>
+        <p:cNvPr id="1" name=""/>
+        <p:cNvGrpSpPr/>
+        <p:nvPr/>
+      </p:nvGrpSpPr>
+      <p:grpSpPr>
+        <a:xfrm>
+          <a:off x="0" y="0"/>
+          <a:ext cx="0" cy="0"/>
+          <a:chOff x="0" y="0"/>
+          <a:chExt cx="0" cy="0"/>
+        </a:xfrm>
+      </p:grpSpPr>
+      <p:sp>
+        <p:nvSpPr>
+          <p:cNvPr id="2" name="Title 1"/>
+          <p:cNvSpPr>
+            <a:spLocks noGrp="1"/>
+          </p:cNvSpPr>
+          <p:nvPr>
+            <p:ph type="title"/>
+          </p:nvPr>
+        </p:nvSpPr>
+        <p:spPr/>
+        <p:txBody>
+          <a:bodyPr/>
+          <a:lstStyle/>
+          <a:p>
+            <a:r>
+              <a:rPr lang="en-JM" dirty="0" smtClean="0"/>
+              <a:t>The Future</a:t>
+            </a:r>
+            <a:endParaRPr lang="en-JM" dirty="0"/>
+          </a:p>
+        </p:txBody>
+      </p:sp>
+      <p:sp>
+        <p:nvSpPr>
+          <p:cNvPr id="3" name="Content Placeholder 2"/>
+          <p:cNvSpPr>
+            <a:spLocks noGrp="1"/>
+          </p:cNvSpPr>
+          <p:nvPr>
+            <p:ph idx="1"/>
+          </p:nvPr>
+        </p:nvSpPr>
+        <p:spPr/>
+        <p:txBody>
+          <a:bodyPr/>
+          <a:lstStyle/>
+          <a:p>
+            <a:r>
+              <a:rPr lang="en-JM" dirty="0" smtClean="0"/>
+              <a:t>Cloud-based deployments to facilitate usage by  any organization that requires the services of the JMTS</a:t>
+            </a:r>
+          </a:p>
+          <a:p>
+            <a:r>
+              <a:rPr lang="en-JM" dirty="0" smtClean="0"/>
+              <a:t>Used by standards, certification and regulatory organizations in the Caribbean</a:t>
+            </a:r>
+          </a:p>
+          <a:p>
+            <a:r>
+              <a:rPr lang="en-JM" dirty="0" smtClean="0"/>
+              <a:t>Integration with other software such as web applications, websites, Content Management Systems and ERPs to enhance the features</a:t>
+            </a:r>
+          </a:p>
+          <a:p>
+            <a:endParaRPr lang="en-JM" dirty="0"/>
+          </a:p>
+        </p:txBody>
+      </p:sp>
+    </p:spTree>
+    <p:extLst>
+      <p:ext uri="{BB962C8B-B14F-4D97-AF65-F5344CB8AC3E}">
+        <p14:creationId xmlns:p14="http://schemas.microsoft.com/office/powerpoint/2010/main" val="4229395216"/>
+      </p:ext>
+    </p:extLst>
+  </p:cSld>
+  <p:clrMapOvr>
+    <a:masterClrMapping/>
+  </p:clrMapOvr>
+</p:sld>
+</file>
+
 <file path=ppt/slides/slide2.xml><?xml version="1.0" encoding="utf-8"?>
 <p:sld xmlns:a="http://schemas.openxmlformats.org/drawingml/2006/main" xmlns:r="http://schemas.openxmlformats.org/officeDocument/2006/relationships" xmlns:p="http://schemas.openxmlformats.org/presentationml/2006/main">
   <p:cSld>
@@ -3257,13 +3597,7 @@
           <a:p>
             <a:r>
               <a:rPr lang="en-JM" dirty="0" smtClean="0"/>
-              <a:t>Proposed Deployment and Usage</a:t>
-            </a:r>
-          </a:p>
-          <a:p>
-            <a:r>
-              <a:rPr lang="en-JM" dirty="0" smtClean="0"/>
-              <a:t>Conclusion</a:t>
+              <a:t>The Future</a:t>
             </a:r>
             <a:endParaRPr lang="en-JM" dirty="0" smtClean="0"/>
           </a:p>
@@ -3337,7 +3671,9 @@
         </p:nvSpPr>
         <p:spPr/>
         <p:txBody>
-          <a:bodyPr/>
+          <a:bodyPr>
+            <a:normAutofit fontScale="92500" lnSpcReduction="10000"/>
+          </a:bodyPr>
           <a:lstStyle/>
           <a:p>
             <a:r>
@@ -3348,7 +3684,23 @@
           <a:p>
             <a:r>
               <a:rPr lang="en-JM" dirty="0" smtClean="0"/>
-              <a:t>Tailored for Standards and Regulatory organizations</a:t>
+              <a:t>Tailored for </a:t>
+            </a:r>
+            <a:r>
+              <a:rPr lang="en-JM" dirty="0" smtClean="0"/>
+              <a:t>standards, certification </a:t>
+            </a:r>
+            <a:r>
+              <a:rPr lang="en-JM" dirty="0" smtClean="0"/>
+              <a:t>and </a:t>
+            </a:r>
+            <a:r>
+              <a:rPr lang="en-JM" dirty="0" smtClean="0"/>
+              <a:t>regulatory </a:t>
+            </a:r>
+            <a:r>
+              <a:rPr lang="en-JM" dirty="0" smtClean="0"/>
+              <a:t>organizations</a:t>
             </a:r>
           </a:p>
           <a:p>
@@ -3361,6 +3713,12 @@
             <a:r>
               <a:rPr lang="en-JM" dirty="0" smtClean="0"/>
               <a:t>Support for multiple organizations with separate business entities such as clients</a:t>
+            </a:r>
+          </a:p>
+          <a:p>
+            <a:r>
+              <a:rPr lang="en-JM" dirty="0" smtClean="0"/>
+              <a:t>Partially integrated with popular accounting software</a:t>
             </a:r>
           </a:p>
           <a:p>
@@ -3560,7 +3918,7 @@
         <p:spPr/>
         <p:txBody>
           <a:bodyPr>
-            <a:normAutofit lnSpcReduction="10000"/>
+            <a:normAutofit/>
           </a:bodyPr>
           <a:lstStyle/>
           <a:p>
@@ -3584,7 +3942,7 @@
           <a:p>
             <a:r>
               <a:rPr lang="en-JM" dirty="0" smtClean="0"/>
-              <a:t>Over 20 job related and other reports (see screenshots)</a:t>
+              <a:t>Over 20 job related and other reports</a:t>
             </a:r>
           </a:p>
           <a:p>
@@ -3663,6 +4021,111 @@
           <a:bodyPr/>
           <a:lstStyle/>
           <a:p>
+            <a:pPr marL="0" indent="0">
+              <a:buNone/>
+            </a:pPr>
+            <a:endParaRPr lang="en-JM" dirty="0" smtClean="0"/>
+          </a:p>
+          <a:p>
+            <a:pPr marL="0" indent="0">
+              <a:buNone/>
+            </a:pPr>
+            <a:endParaRPr lang="en-JM" dirty="0"/>
+          </a:p>
+        </p:txBody>
+      </p:sp>
+      <p:pic>
+        <p:nvPicPr>
+          <p:cNvPr id="4" name="Picture 3"/>
+          <p:cNvPicPr>
+            <a:picLocks noChangeAspect="1"/>
+          </p:cNvPicPr>
+          <p:nvPr/>
+        </p:nvPicPr>
+        <p:blipFill>
+          <a:blip r:embed="rId2">
+            <a:extLst>
+              <a:ext uri="{28A0092B-C50C-407E-A947-70E740481C1C}">
+                <a14:useLocalDpi xmlns:a14="http://schemas.microsoft.com/office/drawing/2010/main" val="0"/>
+              </a:ext>
+            </a:extLst>
+          </a:blip>
+          <a:stretch>
+            <a:fillRect/>
+          </a:stretch>
+        </p:blipFill>
+        <p:spPr>
+          <a:xfrm>
+            <a:off x="1187624" y="1628800"/>
+            <a:ext cx="6790835" cy="3168352"/>
+          </a:xfrm>
+          <a:prstGeom prst="rect">
+            <a:avLst/>
+          </a:prstGeom>
+        </p:spPr>
+      </p:pic>
+      <p:sp>
+        <p:nvSpPr>
+          <p:cNvPr id="5" name="Line Callout 2 4"/>
+          <p:cNvSpPr/>
+          <p:nvPr/>
+        </p:nvSpPr>
+        <p:spPr>
+          <a:xfrm>
+            <a:off x="5335867" y="5013176"/>
+            <a:ext cx="2642592" cy="1224136"/>
+          </a:xfrm>
+          <a:prstGeom prst="borderCallout2">
+            <a:avLst>
+              <a:gd name="adj1" fmla="val 18750"/>
+              <a:gd name="adj2" fmla="val -8333"/>
+              <a:gd name="adj3" fmla="val 18750"/>
+              <a:gd name="adj4" fmla="val -16667"/>
+              <a:gd name="adj5" fmla="val -72254"/>
+              <a:gd name="adj6" fmla="val -79474"/>
+            </a:avLst>
+          </a:prstGeom>
+        </p:spPr>
+        <p:style>
+          <a:lnRef idx="2">
+            <a:schemeClr val="accent1">
+              <a:shade val="50000"/>
+            </a:schemeClr>
+          </a:lnRef>
+          <a:fillRef idx="1">
+            <a:schemeClr val="accent1"/>
+          </a:fillRef>
+          <a:effectRef idx="0">
+            <a:schemeClr val="accent1"/>
+          </a:effectRef>
+          <a:fontRef idx="minor">
+            <a:schemeClr val="lt1"/>
+          </a:fontRef>
+        </p:style>
+        <p:txBody>
+          <a:bodyPr rtlCol="0" anchor="ctr"/>
+          <a:lstStyle/>
+          <a:p>
+            <a:pPr algn="ctr"/>
+            <a:r>
+              <a:rPr lang="en-JM" dirty="0" smtClean="0"/>
+              <a:t>A System </a:t>
+            </a:r>
+            <a:r>
+              <a:rPr lang="en-JM" dirty="0" smtClean="0"/>
+              <a:t>Administrator can grant access to the </a:t>
+            </a:r>
+            <a:r>
+              <a:rPr lang="en-JM" dirty="0" smtClean="0"/>
+              <a:t>required </a:t>
+            </a:r>
+            <a:r>
+              <a:rPr lang="en-JM" dirty="0" smtClean="0"/>
+              <a:t>module</a:t>
+            </a:r>
+          </a:p>
+          <a:p>
+            <a:pPr algn="ctr"/>
             <a:endParaRPr lang="en-JM" dirty="0"/>
           </a:p>
         </p:txBody>
@@ -3671,6 +4134,399 @@
     <p:extLst>
       <p:ext uri="{BB962C8B-B14F-4D97-AF65-F5344CB8AC3E}">
         <p14:creationId xmlns:p14="http://schemas.microsoft.com/office/powerpoint/2010/main" val="1359336006"/>
+      </p:ext>
+    </p:extLst>
+  </p:cSld>
+  <p:clrMapOvr>
+    <a:masterClrMapping/>
+  </p:clrMapOvr>
+</p:sld>
+</file>
+
+<file path=ppt/slides/slide7.xml><?xml version="1.0" encoding="utf-8"?>
+<p:sld xmlns:a="http://schemas.openxmlformats.org/drawingml/2006/main" xmlns:r="http://schemas.openxmlformats.org/officeDocument/2006/relationships" xmlns:p="http://schemas.openxmlformats.org/presentationml/2006/main">
+  <p:cSld>
+    <p:spTree>
+      <p:nvGrpSpPr>
+        <p:cNvPr id="1" name=""/>
+        <p:cNvGrpSpPr/>
+        <p:nvPr/>
+      </p:nvGrpSpPr>
+      <p:grpSpPr>
+        <a:xfrm>
+          <a:off x="0" y="0"/>
+          <a:ext cx="0" cy="0"/>
+          <a:chOff x="0" y="0"/>
+          <a:chExt cx="0" cy="0"/>
+        </a:xfrm>
+      </p:grpSpPr>
+      <p:sp>
+        <p:nvSpPr>
+          <p:cNvPr id="2" name="Title 1"/>
+          <p:cNvSpPr>
+            <a:spLocks noGrp="1"/>
+          </p:cNvSpPr>
+          <p:nvPr>
+            <p:ph type="title"/>
+          </p:nvPr>
+        </p:nvSpPr>
+        <p:spPr/>
+        <p:txBody>
+          <a:bodyPr/>
+          <a:lstStyle/>
+          <a:p>
+            <a:r>
+              <a:rPr lang="en-JM" dirty="0" smtClean="0"/>
+              <a:t>Screenshots (continued)</a:t>
+            </a:r>
+            <a:endParaRPr lang="en-JM" dirty="0"/>
+          </a:p>
+        </p:txBody>
+      </p:sp>
+      <p:pic>
+        <p:nvPicPr>
+          <p:cNvPr id="4" name="Content Placeholder 3"/>
+          <p:cNvPicPr>
+            <a:picLocks noGrp="1" noChangeAspect="1"/>
+          </p:cNvPicPr>
+          <p:nvPr>
+            <p:ph idx="1"/>
+          </p:nvPr>
+        </p:nvPicPr>
+        <p:blipFill>
+          <a:blip r:embed="rId2">
+            <a:extLst>
+              <a:ext uri="{28A0092B-C50C-407E-A947-70E740481C1C}">
+                <a14:useLocalDpi xmlns:a14="http://schemas.microsoft.com/office/drawing/2010/main" val="0"/>
+              </a:ext>
+            </a:extLst>
+          </a:blip>
+          <a:stretch>
+            <a:fillRect/>
+          </a:stretch>
+        </p:blipFill>
+        <p:spPr>
+          <a:xfrm>
+            <a:off x="899592" y="1628800"/>
+            <a:ext cx="3752370" cy="4525963"/>
+          </a:xfrm>
+        </p:spPr>
+      </p:pic>
+      <p:sp>
+        <p:nvSpPr>
+          <p:cNvPr id="5" name="Line Callout 1 4"/>
+          <p:cNvSpPr/>
+          <p:nvPr/>
+        </p:nvSpPr>
+        <p:spPr>
+          <a:xfrm>
+            <a:off x="5580112" y="2636912"/>
+            <a:ext cx="3096344" cy="1584176"/>
+          </a:xfrm>
+          <a:prstGeom prst="borderCallout1">
+            <a:avLst>
+              <a:gd name="adj1" fmla="val 18750"/>
+              <a:gd name="adj2" fmla="val -8333"/>
+              <a:gd name="adj3" fmla="val 65274"/>
+              <a:gd name="adj4" fmla="val -79459"/>
+            </a:avLst>
+          </a:prstGeom>
+        </p:spPr>
+        <p:style>
+          <a:lnRef idx="2">
+            <a:schemeClr val="accent1">
+              <a:shade val="50000"/>
+            </a:schemeClr>
+          </a:lnRef>
+          <a:fillRef idx="1">
+            <a:schemeClr val="accent1"/>
+          </a:fillRef>
+          <a:effectRef idx="0">
+            <a:schemeClr val="accent1"/>
+          </a:effectRef>
+          <a:fontRef idx="minor">
+            <a:schemeClr val="lt1"/>
+          </a:fontRef>
+        </p:style>
+        <p:txBody>
+          <a:bodyPr rtlCol="0" anchor="ctr"/>
+          <a:lstStyle/>
+          <a:p>
+            <a:pPr algn="ctr"/>
+            <a:r>
+              <a:rPr lang="en-JM" dirty="0" smtClean="0"/>
+              <a:t>The Dashboard shows the modules to which the use has been granted access</a:t>
+            </a:r>
+            <a:endParaRPr lang="en-JM" dirty="0"/>
+          </a:p>
+        </p:txBody>
+      </p:sp>
+    </p:spTree>
+    <p:extLst>
+      <p:ext uri="{BB962C8B-B14F-4D97-AF65-F5344CB8AC3E}">
+        <p14:creationId xmlns:p14="http://schemas.microsoft.com/office/powerpoint/2010/main" val="2941957498"/>
+      </p:ext>
+    </p:extLst>
+  </p:cSld>
+  <p:clrMapOvr>
+    <a:masterClrMapping/>
+  </p:clrMapOvr>
+</p:sld>
+</file>
+
+<file path=ppt/slides/slide8.xml><?xml version="1.0" encoding="utf-8"?>
+<p:sld xmlns:a="http://schemas.openxmlformats.org/drawingml/2006/main" xmlns:r="http://schemas.openxmlformats.org/officeDocument/2006/relationships" xmlns:p="http://schemas.openxmlformats.org/presentationml/2006/main">
+  <p:cSld>
+    <p:spTree>
+      <p:nvGrpSpPr>
+        <p:cNvPr id="1" name=""/>
+        <p:cNvGrpSpPr/>
+        <p:nvPr/>
+      </p:nvGrpSpPr>
+      <p:grpSpPr>
+        <a:xfrm>
+          <a:off x="0" y="0"/>
+          <a:ext cx="0" cy="0"/>
+          <a:chOff x="0" y="0"/>
+          <a:chExt cx="0" cy="0"/>
+        </a:xfrm>
+      </p:grpSpPr>
+      <p:sp>
+        <p:nvSpPr>
+          <p:cNvPr id="2" name="Title 1"/>
+          <p:cNvSpPr>
+            <a:spLocks noGrp="1"/>
+          </p:cNvSpPr>
+          <p:nvPr>
+            <p:ph type="title"/>
+          </p:nvPr>
+        </p:nvSpPr>
+        <p:spPr/>
+        <p:txBody>
+          <a:bodyPr/>
+          <a:lstStyle/>
+          <a:p>
+            <a:r>
+              <a:rPr lang="en-JM" dirty="0"/>
+              <a:t>Screenshots (continued)</a:t>
+            </a:r>
+          </a:p>
+        </p:txBody>
+      </p:sp>
+      <p:pic>
+        <p:nvPicPr>
+          <p:cNvPr id="4" name="Content Placeholder 3"/>
+          <p:cNvPicPr>
+            <a:picLocks noGrp="1" noChangeAspect="1"/>
+          </p:cNvPicPr>
+          <p:nvPr>
+            <p:ph idx="1"/>
+          </p:nvPr>
+        </p:nvPicPr>
+        <p:blipFill>
+          <a:blip r:embed="rId2">
+            <a:extLst>
+              <a:ext uri="{28A0092B-C50C-407E-A947-70E740481C1C}">
+                <a14:useLocalDpi xmlns:a14="http://schemas.microsoft.com/office/drawing/2010/main" val="0"/>
+              </a:ext>
+            </a:extLst>
+          </a:blip>
+          <a:stretch>
+            <a:fillRect/>
+          </a:stretch>
+        </p:blipFill>
+        <p:spPr>
+          <a:xfrm>
+            <a:off x="539552" y="1340768"/>
+            <a:ext cx="8048625" cy="3429000"/>
+          </a:xfrm>
+        </p:spPr>
+      </p:pic>
+      <p:sp>
+        <p:nvSpPr>
+          <p:cNvPr id="5" name="Line Callout 2 4"/>
+          <p:cNvSpPr/>
+          <p:nvPr/>
+        </p:nvSpPr>
+        <p:spPr>
+          <a:xfrm>
+            <a:off x="5436096" y="5118662"/>
+            <a:ext cx="3384376" cy="1368152"/>
+          </a:xfrm>
+          <a:prstGeom prst="borderCallout2">
+            <a:avLst>
+              <a:gd name="adj1" fmla="val 18750"/>
+              <a:gd name="adj2" fmla="val -8333"/>
+              <a:gd name="adj3" fmla="val 18750"/>
+              <a:gd name="adj4" fmla="val -16667"/>
+              <a:gd name="adj5" fmla="val -265723"/>
+              <a:gd name="adj6" fmla="val -90264"/>
+            </a:avLst>
+          </a:prstGeom>
+        </p:spPr>
+        <p:style>
+          <a:lnRef idx="2">
+            <a:schemeClr val="accent1">
+              <a:shade val="50000"/>
+            </a:schemeClr>
+          </a:lnRef>
+          <a:fillRef idx="1">
+            <a:schemeClr val="accent1"/>
+          </a:fillRef>
+          <a:effectRef idx="0">
+            <a:schemeClr val="accent1"/>
+          </a:effectRef>
+          <a:fontRef idx="minor">
+            <a:schemeClr val="lt1"/>
+          </a:fontRef>
+        </p:style>
+        <p:txBody>
+          <a:bodyPr rtlCol="0" anchor="ctr"/>
+          <a:lstStyle/>
+          <a:p>
+            <a:pPr algn="ctr"/>
+            <a:r>
+              <a:rPr lang="en-JM" dirty="0" smtClean="0"/>
+              <a:t>Three views are provided to allow the results of a job search to be viewed according to the user’s needs</a:t>
+            </a:r>
+            <a:endParaRPr lang="en-JM" dirty="0"/>
+          </a:p>
+        </p:txBody>
+      </p:sp>
+    </p:spTree>
+    <p:extLst>
+      <p:ext uri="{BB962C8B-B14F-4D97-AF65-F5344CB8AC3E}">
+        <p14:creationId xmlns:p14="http://schemas.microsoft.com/office/powerpoint/2010/main" val="222448516"/>
+      </p:ext>
+    </p:extLst>
+  </p:cSld>
+  <p:clrMapOvr>
+    <a:masterClrMapping/>
+  </p:clrMapOvr>
+</p:sld>
+</file>
+
+<file path=ppt/slides/slide9.xml><?xml version="1.0" encoding="utf-8"?>
+<p:sld xmlns:a="http://schemas.openxmlformats.org/drawingml/2006/main" xmlns:r="http://schemas.openxmlformats.org/officeDocument/2006/relationships" xmlns:p="http://schemas.openxmlformats.org/presentationml/2006/main">
+  <p:cSld>
+    <p:spTree>
+      <p:nvGrpSpPr>
+        <p:cNvPr id="1" name=""/>
+        <p:cNvGrpSpPr/>
+        <p:nvPr/>
+      </p:nvGrpSpPr>
+      <p:grpSpPr>
+        <a:xfrm>
+          <a:off x="0" y="0"/>
+          <a:ext cx="0" cy="0"/>
+          <a:chOff x="0" y="0"/>
+          <a:chExt cx="0" cy="0"/>
+        </a:xfrm>
+      </p:grpSpPr>
+      <p:sp>
+        <p:nvSpPr>
+          <p:cNvPr id="2" name="Title 1"/>
+          <p:cNvSpPr>
+            <a:spLocks noGrp="1"/>
+          </p:cNvSpPr>
+          <p:nvPr>
+            <p:ph type="title"/>
+          </p:nvPr>
+        </p:nvSpPr>
+        <p:spPr/>
+        <p:txBody>
+          <a:bodyPr/>
+          <a:lstStyle/>
+          <a:p>
+            <a:r>
+              <a:rPr lang="en-JM" dirty="0"/>
+              <a:t>Screenshots (continued)</a:t>
+            </a:r>
+          </a:p>
+        </p:txBody>
+      </p:sp>
+      <p:pic>
+        <p:nvPicPr>
+          <p:cNvPr id="4" name="Content Placeholder 3"/>
+          <p:cNvPicPr>
+            <a:picLocks noGrp="1" noChangeAspect="1"/>
+          </p:cNvPicPr>
+          <p:nvPr>
+            <p:ph idx="1"/>
+          </p:nvPr>
+        </p:nvPicPr>
+        <p:blipFill>
+          <a:blip r:embed="rId2">
+            <a:extLst>
+              <a:ext uri="{28A0092B-C50C-407E-A947-70E740481C1C}">
+                <a14:useLocalDpi xmlns:a14="http://schemas.microsoft.com/office/drawing/2010/main" val="0"/>
+              </a:ext>
+            </a:extLst>
+          </a:blip>
+          <a:stretch>
+            <a:fillRect/>
+          </a:stretch>
+        </p:blipFill>
+        <p:spPr>
+          <a:xfrm>
+            <a:off x="1043608" y="1340768"/>
+            <a:ext cx="7104907" cy="4525963"/>
+          </a:xfrm>
+        </p:spPr>
+      </p:pic>
+      <p:sp>
+        <p:nvSpPr>
+          <p:cNvPr id="5" name="Line Callout 1 4"/>
+          <p:cNvSpPr/>
+          <p:nvPr/>
+        </p:nvSpPr>
+        <p:spPr>
+          <a:xfrm>
+            <a:off x="7020272" y="2708920"/>
+            <a:ext cx="1800200" cy="1656184"/>
+          </a:xfrm>
+          <a:prstGeom prst="borderCallout1">
+            <a:avLst>
+              <a:gd name="adj1" fmla="val 18750"/>
+              <a:gd name="adj2" fmla="val -8333"/>
+              <a:gd name="adj3" fmla="val -39331"/>
+              <a:gd name="adj4" fmla="val -112793"/>
+            </a:avLst>
+          </a:prstGeom>
+        </p:spPr>
+        <p:style>
+          <a:lnRef idx="2">
+            <a:schemeClr val="accent1">
+              <a:shade val="50000"/>
+            </a:schemeClr>
+          </a:lnRef>
+          <a:fillRef idx="1">
+            <a:schemeClr val="accent1"/>
+          </a:fillRef>
+          <a:effectRef idx="0">
+            <a:schemeClr val="accent1"/>
+          </a:effectRef>
+          <a:fontRef idx="minor">
+            <a:schemeClr val="lt1"/>
+          </a:fontRef>
+        </p:style>
+        <p:txBody>
+          <a:bodyPr rtlCol="0" anchor="ctr"/>
+          <a:lstStyle/>
+          <a:p>
+            <a:pPr algn="ctr"/>
+            <a:r>
+              <a:rPr lang="en-JM" dirty="0" smtClean="0"/>
+              <a:t>The detail of a job is grouped into tabs for easy location of information</a:t>
+            </a:r>
+            <a:endParaRPr lang="en-JM" dirty="0"/>
+          </a:p>
+        </p:txBody>
+      </p:sp>
+    </p:spTree>
+    <p:extLst>
+      <p:ext uri="{BB962C8B-B14F-4D97-AF65-F5344CB8AC3E}">
+        <p14:creationId xmlns:p14="http://schemas.microsoft.com/office/powerpoint/2010/main" val="1540122560"/>
       </p:ext>
     </p:extLst>
   </p:cSld>

--- a/doc/Job Management & Tracking System Presentation.pptx
+++ b/doc/Job Management & Tracking System Presentation.pptx
@@ -299,7 +299,7 @@
           <a:p>
             <a:fld id="{D3C1311D-0B96-4E2F-8392-CD2406DA462A}" type="datetimeFigureOut">
               <a:rPr lang="en-JM" smtClean="0"/>
-              <a:t>15/5/2018</a:t>
+              <a:t>16/5/2018</a:t>
             </a:fld>
             <a:endParaRPr lang="en-JM"/>
           </a:p>
@@ -469,7 +469,7 @@
           <a:p>
             <a:fld id="{D3C1311D-0B96-4E2F-8392-CD2406DA462A}" type="datetimeFigureOut">
               <a:rPr lang="en-JM" smtClean="0"/>
-              <a:t>15/5/2018</a:t>
+              <a:t>16/5/2018</a:t>
             </a:fld>
             <a:endParaRPr lang="en-JM"/>
           </a:p>
@@ -649,7 +649,7 @@
           <a:p>
             <a:fld id="{D3C1311D-0B96-4E2F-8392-CD2406DA462A}" type="datetimeFigureOut">
               <a:rPr lang="en-JM" smtClean="0"/>
-              <a:t>15/5/2018</a:t>
+              <a:t>16/5/2018</a:t>
             </a:fld>
             <a:endParaRPr lang="en-JM"/>
           </a:p>
@@ -819,7 +819,7 @@
           <a:p>
             <a:fld id="{D3C1311D-0B96-4E2F-8392-CD2406DA462A}" type="datetimeFigureOut">
               <a:rPr lang="en-JM" smtClean="0"/>
-              <a:t>15/5/2018</a:t>
+              <a:t>16/5/2018</a:t>
             </a:fld>
             <a:endParaRPr lang="en-JM"/>
           </a:p>
@@ -1065,7 +1065,7 @@
           <a:p>
             <a:fld id="{D3C1311D-0B96-4E2F-8392-CD2406DA462A}" type="datetimeFigureOut">
               <a:rPr lang="en-JM" smtClean="0"/>
-              <a:t>15/5/2018</a:t>
+              <a:t>16/5/2018</a:t>
             </a:fld>
             <a:endParaRPr lang="en-JM"/>
           </a:p>
@@ -1353,7 +1353,7 @@
           <a:p>
             <a:fld id="{D3C1311D-0B96-4E2F-8392-CD2406DA462A}" type="datetimeFigureOut">
               <a:rPr lang="en-JM" smtClean="0"/>
-              <a:t>15/5/2018</a:t>
+              <a:t>16/5/2018</a:t>
             </a:fld>
             <a:endParaRPr lang="en-JM"/>
           </a:p>
@@ -1775,7 +1775,7 @@
           <a:p>
             <a:fld id="{D3C1311D-0B96-4E2F-8392-CD2406DA462A}" type="datetimeFigureOut">
               <a:rPr lang="en-JM" smtClean="0"/>
-              <a:t>15/5/2018</a:t>
+              <a:t>16/5/2018</a:t>
             </a:fld>
             <a:endParaRPr lang="en-JM"/>
           </a:p>
@@ -1893,7 +1893,7 @@
           <a:p>
             <a:fld id="{D3C1311D-0B96-4E2F-8392-CD2406DA462A}" type="datetimeFigureOut">
               <a:rPr lang="en-JM" smtClean="0"/>
-              <a:t>15/5/2018</a:t>
+              <a:t>16/5/2018</a:t>
             </a:fld>
             <a:endParaRPr lang="en-JM"/>
           </a:p>
@@ -1988,7 +1988,7 @@
           <a:p>
             <a:fld id="{D3C1311D-0B96-4E2F-8392-CD2406DA462A}" type="datetimeFigureOut">
               <a:rPr lang="en-JM" smtClean="0"/>
-              <a:t>15/5/2018</a:t>
+              <a:t>16/5/2018</a:t>
             </a:fld>
             <a:endParaRPr lang="en-JM"/>
           </a:p>
@@ -2265,7 +2265,7 @@
           <a:p>
             <a:fld id="{D3C1311D-0B96-4E2F-8392-CD2406DA462A}" type="datetimeFigureOut">
               <a:rPr lang="en-JM" smtClean="0"/>
-              <a:t>15/5/2018</a:t>
+              <a:t>16/5/2018</a:t>
             </a:fld>
             <a:endParaRPr lang="en-JM"/>
           </a:p>
@@ -2518,7 +2518,7 @@
           <a:p>
             <a:fld id="{D3C1311D-0B96-4E2F-8392-CD2406DA462A}" type="datetimeFigureOut">
               <a:rPr lang="en-JM" smtClean="0"/>
-              <a:t>15/5/2018</a:t>
+              <a:t>16/5/2018</a:t>
             </a:fld>
             <a:endParaRPr lang="en-JM"/>
           </a:p>
@@ -2731,7 +2731,7 @@
           <a:p>
             <a:fld id="{D3C1311D-0B96-4E2F-8392-CD2406DA462A}" type="datetimeFigureOut">
               <a:rPr lang="en-JM" smtClean="0"/>
-              <a:t>15/5/2018</a:t>
+              <a:t>16/5/2018</a:t>
             </a:fld>
             <a:endParaRPr lang="en-JM"/>
           </a:p>
@@ -3385,13 +3385,22 @@
           <a:p>
             <a:r>
               <a:rPr lang="en-JM" dirty="0" smtClean="0"/>
-              <a:t>Continuous incremental deployments </a:t>
-            </a:r>
-          </a:p>
-          <a:p>
-            <a:r>
-              <a:rPr lang="en-JM" dirty="0" smtClean="0"/>
-              <a:t> User feedback and from beta version releases</a:t>
+              <a:t>Continuous incremental </a:t>
+            </a:r>
+            <a:r>
+              <a:rPr lang="en-JM" dirty="0" smtClean="0"/>
+              <a:t>development and deployments </a:t>
+            </a:r>
+            <a:endParaRPr lang="en-JM" dirty="0" smtClean="0"/>
+          </a:p>
+          <a:p>
+            <a:r>
+              <a:rPr lang="en-JM" dirty="0" smtClean="0"/>
+              <a:t>User </a:t>
+            </a:r>
+            <a:r>
+              <a:rPr lang="en-JM" dirty="0" smtClean="0"/>
+              <a:t>feedback and from beta version releases</a:t>
             </a:r>
           </a:p>
           <a:p>
@@ -3470,12 +3479,30 @@
         </p:nvSpPr>
         <p:spPr/>
         <p:txBody>
-          <a:bodyPr/>
-          <a:lstStyle/>
-          <a:p>
-            <a:r>
-              <a:rPr lang="en-JM" dirty="0" smtClean="0"/>
-              <a:t>Cloud-based deployments to facilitate usage by  any organization that requires the services of the JMTS</a:t>
+          <a:bodyPr>
+            <a:normAutofit fontScale="92500" lnSpcReduction="10000"/>
+          </a:bodyPr>
+          <a:lstStyle/>
+          <a:p>
+            <a:r>
+              <a:rPr lang="en-JM" dirty="0" smtClean="0"/>
+              <a:t>Cloud-based deployments to facilitate </a:t>
+            </a:r>
+            <a:r>
+              <a:rPr lang="en-JM" dirty="0" smtClean="0"/>
+              <a:t>use </a:t>
+            </a:r>
+            <a:r>
+              <a:rPr lang="en-JM" dirty="0" smtClean="0"/>
+              <a:t>by </a:t>
+            </a:r>
+            <a:r>
+              <a:rPr lang="en-JM" dirty="0" smtClean="0"/>
+              <a:t>any </a:t>
+            </a:r>
+            <a:r>
+              <a:rPr lang="en-JM" dirty="0" smtClean="0"/>
+              <a:t>organization that requires the services of the JMTS</a:t>
             </a:r>
           </a:p>
           <a:p>
@@ -3487,8 +3514,19 @@
           <a:p>
             <a:r>
               <a:rPr lang="en-JM" dirty="0" smtClean="0"/>
-              <a:t>Integration with other software such as web applications, websites, Content Management Systems and ERPs to enhance the features</a:t>
-            </a:r>
+              <a:t>Integration with other software such as web applications, websites, Content Management Systems and ERPs to enhance the </a:t>
+            </a:r>
+            <a:r>
+              <a:rPr lang="en-JM" dirty="0" smtClean="0"/>
+              <a:t>features</a:t>
+            </a:r>
+          </a:p>
+          <a:p>
+            <a:r>
+              <a:rPr lang="en-JM" dirty="0" smtClean="0"/>
+              <a:t>Development of “light” desktop and mobile versions of the JMTS for field use</a:t>
+            </a:r>
+            <a:endParaRPr lang="en-JM" dirty="0" smtClean="0"/>
           </a:p>
           <a:p>
             <a:endParaRPr lang="en-JM" dirty="0"/>
@@ -3579,8 +3617,21 @@
           <a:p>
             <a:r>
               <a:rPr lang="en-JM" dirty="0" smtClean="0"/>
-              <a:t>Features being Updated or Developed</a:t>
-            </a:r>
+              <a:t>Features being </a:t>
+            </a:r>
+            <a:r>
+              <a:rPr lang="en-JM" dirty="0" smtClean="0"/>
+              <a:t>updated </a:t>
+            </a:r>
+            <a:r>
+              <a:rPr lang="en-JM" dirty="0" smtClean="0"/>
+              <a:t>or </a:t>
+            </a:r>
+            <a:r>
+              <a:rPr lang="en-JM" dirty="0" smtClean="0"/>
+              <a:t>developed</a:t>
+            </a:r>
+            <a:endParaRPr lang="en-JM" dirty="0" smtClean="0"/>
           </a:p>
           <a:p>
             <a:r>
@@ -3599,7 +3650,6 @@
               <a:rPr lang="en-JM" dirty="0" smtClean="0"/>
               <a:t>The Future</a:t>
             </a:r>
-            <a:endParaRPr lang="en-JM" dirty="0" smtClean="0"/>
           </a:p>
           <a:p>
             <a:endParaRPr lang="en-JM" dirty="0"/>
@@ -3684,23 +3734,7 @@
           <a:p>
             <a:r>
               <a:rPr lang="en-JM" dirty="0" smtClean="0"/>
-              <a:t>Tailored for </a:t>
-            </a:r>
-            <a:r>
-              <a:rPr lang="en-JM" dirty="0" smtClean="0"/>
-              <a:t>standards, certification </a:t>
-            </a:r>
-            <a:r>
-              <a:rPr lang="en-JM" dirty="0" smtClean="0"/>
-              <a:t>and </a:t>
-            </a:r>
-            <a:r>
-              <a:rPr lang="en-JM" dirty="0" smtClean="0"/>
-              <a:t>regulatory </a:t>
-            </a:r>
-            <a:r>
-              <a:rPr lang="en-JM" dirty="0" smtClean="0"/>
-              <a:t>organizations</a:t>
+              <a:t>Tailored for standards, certification and regulatory organizations</a:t>
             </a:r>
           </a:p>
           <a:p>
@@ -3900,8 +3934,21 @@
           <a:p>
             <a:r>
               <a:rPr lang="en-JM" dirty="0"/>
-              <a:t>Features being Updated or Developed</a:t>
-            </a:r>
+              <a:t>Features being </a:t>
+            </a:r>
+            <a:r>
+              <a:rPr lang="en-JM" dirty="0" smtClean="0"/>
+              <a:t>updated </a:t>
+            </a:r>
+            <a:r>
+              <a:rPr lang="en-JM" dirty="0"/>
+              <a:t>or </a:t>
+            </a:r>
+            <a:r>
+              <a:rPr lang="en-JM" dirty="0" smtClean="0"/>
+              <a:t>developed</a:t>
+            </a:r>
+            <a:endParaRPr lang="en-JM" dirty="0"/>
           </a:p>
         </p:txBody>
       </p:sp>
@@ -4109,20 +4156,13 @@
             <a:pPr algn="ctr"/>
             <a:r>
               <a:rPr lang="en-JM" dirty="0" smtClean="0"/>
-              <a:t>A System </a:t>
-            </a:r>
-            <a:r>
-              <a:rPr lang="en-JM" dirty="0" smtClean="0"/>
-              <a:t>Administrator can grant access to the </a:t>
-            </a:r>
-            <a:r>
-              <a:rPr lang="en-JM" dirty="0" smtClean="0"/>
-              <a:t>required </a:t>
-            </a:r>
-            <a:r>
-              <a:rPr lang="en-JM" dirty="0" smtClean="0"/>
-              <a:t>module</a:t>
-            </a:r>
+              <a:t>A System Administrator can grant access to the required </a:t>
+            </a:r>
+            <a:r>
+              <a:rPr lang="en-JM" dirty="0" smtClean="0"/>
+              <a:t>modules</a:t>
+            </a:r>
+            <a:endParaRPr lang="en-JM" dirty="0" smtClean="0"/>
           </a:p>
           <a:p>
             <a:pPr algn="ctr"/>
@@ -4255,7 +4295,19 @@
             <a:pPr algn="ctr"/>
             <a:r>
               <a:rPr lang="en-JM" dirty="0" smtClean="0"/>
-              <a:t>The Dashboard shows the modules to which the use has been granted access</a:t>
+              <a:t>The Dashboard shows the modules to which </a:t>
+            </a:r>
+            <a:r>
+              <a:rPr lang="en-JM" dirty="0"/>
+              <a:t>a</a:t>
+            </a:r>
+            <a:r>
+              <a:rPr lang="en-JM" dirty="0" smtClean="0"/>
+              <a:t> user </a:t>
+            </a:r>
+            <a:r>
+              <a:rPr lang="en-JM" dirty="0" smtClean="0"/>
+              <a:t>has been granted access</a:t>
             </a:r>
             <a:endParaRPr lang="en-JM" dirty="0"/>
           </a:p>
